--- a/Resources/Other/Icons.pptx
+++ b/Resources/Other/Icons.pptx
@@ -246,7 +246,7 @@
           <a:p>
             <a:fld id="{D8455722-239A-4E54-8AF4-0299CA751C05}" type="datetimeFigureOut">
               <a:rPr lang="en-GB" smtClean="0"/>
-              <a:t>29/03/2018</a:t>
+              <a:t>17/05/2018</a:t>
             </a:fld>
             <a:endParaRPr lang="en-GB"/>
           </a:p>
@@ -416,7 +416,7 @@
           <a:p>
             <a:fld id="{D8455722-239A-4E54-8AF4-0299CA751C05}" type="datetimeFigureOut">
               <a:rPr lang="en-GB" smtClean="0"/>
-              <a:t>29/03/2018</a:t>
+              <a:t>17/05/2018</a:t>
             </a:fld>
             <a:endParaRPr lang="en-GB"/>
           </a:p>
@@ -596,7 +596,7 @@
           <a:p>
             <a:fld id="{D8455722-239A-4E54-8AF4-0299CA751C05}" type="datetimeFigureOut">
               <a:rPr lang="en-GB" smtClean="0"/>
-              <a:t>29/03/2018</a:t>
+              <a:t>17/05/2018</a:t>
             </a:fld>
             <a:endParaRPr lang="en-GB"/>
           </a:p>
@@ -766,7 +766,7 @@
           <a:p>
             <a:fld id="{D8455722-239A-4E54-8AF4-0299CA751C05}" type="datetimeFigureOut">
               <a:rPr lang="en-GB" smtClean="0"/>
-              <a:t>29/03/2018</a:t>
+              <a:t>17/05/2018</a:t>
             </a:fld>
             <a:endParaRPr lang="en-GB"/>
           </a:p>
@@ -1012,7 +1012,7 @@
           <a:p>
             <a:fld id="{D8455722-239A-4E54-8AF4-0299CA751C05}" type="datetimeFigureOut">
               <a:rPr lang="en-GB" smtClean="0"/>
-              <a:t>29/03/2018</a:t>
+              <a:t>17/05/2018</a:t>
             </a:fld>
             <a:endParaRPr lang="en-GB"/>
           </a:p>
@@ -1244,7 +1244,7 @@
           <a:p>
             <a:fld id="{D8455722-239A-4E54-8AF4-0299CA751C05}" type="datetimeFigureOut">
               <a:rPr lang="en-GB" smtClean="0"/>
-              <a:t>29/03/2018</a:t>
+              <a:t>17/05/2018</a:t>
             </a:fld>
             <a:endParaRPr lang="en-GB"/>
           </a:p>
@@ -1611,7 +1611,7 @@
           <a:p>
             <a:fld id="{D8455722-239A-4E54-8AF4-0299CA751C05}" type="datetimeFigureOut">
               <a:rPr lang="en-GB" smtClean="0"/>
-              <a:t>29/03/2018</a:t>
+              <a:t>17/05/2018</a:t>
             </a:fld>
             <a:endParaRPr lang="en-GB"/>
           </a:p>
@@ -1729,7 +1729,7 @@
           <a:p>
             <a:fld id="{D8455722-239A-4E54-8AF4-0299CA751C05}" type="datetimeFigureOut">
               <a:rPr lang="en-GB" smtClean="0"/>
-              <a:t>29/03/2018</a:t>
+              <a:t>17/05/2018</a:t>
             </a:fld>
             <a:endParaRPr lang="en-GB"/>
           </a:p>
@@ -1824,7 +1824,7 @@
           <a:p>
             <a:fld id="{D8455722-239A-4E54-8AF4-0299CA751C05}" type="datetimeFigureOut">
               <a:rPr lang="en-GB" smtClean="0"/>
-              <a:t>29/03/2018</a:t>
+              <a:t>17/05/2018</a:t>
             </a:fld>
             <a:endParaRPr lang="en-GB"/>
           </a:p>
@@ -2101,7 +2101,7 @@
           <a:p>
             <a:fld id="{D8455722-239A-4E54-8AF4-0299CA751C05}" type="datetimeFigureOut">
               <a:rPr lang="en-GB" smtClean="0"/>
-              <a:t>29/03/2018</a:t>
+              <a:t>17/05/2018</a:t>
             </a:fld>
             <a:endParaRPr lang="en-GB"/>
           </a:p>
@@ -2354,7 +2354,7 @@
           <a:p>
             <a:fld id="{D8455722-239A-4E54-8AF4-0299CA751C05}" type="datetimeFigureOut">
               <a:rPr lang="en-GB" smtClean="0"/>
-              <a:t>29/03/2018</a:t>
+              <a:t>17/05/2018</a:t>
             </a:fld>
             <a:endParaRPr lang="en-GB"/>
           </a:p>
@@ -2567,7 +2567,7 @@
           <a:p>
             <a:fld id="{D8455722-239A-4E54-8AF4-0299CA751C05}" type="datetimeFigureOut">
               <a:rPr lang="en-GB" smtClean="0"/>
-              <a:t>29/03/2018</a:t>
+              <a:t>17/05/2018</a:t>
             </a:fld>
             <a:endParaRPr lang="en-GB"/>
           </a:p>
@@ -12210,8 +12210,8 @@
         </p:blipFill>
         <p:spPr>
           <a:xfrm flipH="1">
-            <a:off x="9487616" y="3273586"/>
-            <a:ext cx="1653455" cy="2410463"/>
+            <a:off x="9487616" y="3416761"/>
+            <a:ext cx="1480395" cy="2158171"/>
           </a:xfrm>
           <a:prstGeom prst="rect">
             <a:avLst/>
@@ -14502,6 +14502,36 @@
           </p:txBody>
         </p:sp>
       </p:grpSp>
+      <p:pic>
+        <p:nvPicPr>
+          <p:cNvPr id="3" name="Picture 2"/>
+          <p:cNvPicPr>
+            <a:picLocks noChangeAspect="1"/>
+          </p:cNvPicPr>
+          <p:nvPr/>
+        </p:nvPicPr>
+        <p:blipFill>
+          <a:blip r:embed="rId3">
+            <a:extLst>
+              <a:ext uri="{28A0092B-C50C-407E-A947-70E740481C1C}">
+                <a14:useLocalDpi xmlns:a14="http://schemas.microsoft.com/office/drawing/2010/main" val="0"/>
+              </a:ext>
+            </a:extLst>
+          </a:blip>
+          <a:stretch>
+            <a:fillRect/>
+          </a:stretch>
+        </p:blipFill>
+        <p:spPr>
+          <a:xfrm>
+            <a:off x="7559280" y="3416761"/>
+            <a:ext cx="1475360" cy="2158171"/>
+          </a:xfrm>
+          <a:prstGeom prst="rect">
+            <a:avLst/>
+          </a:prstGeom>
+        </p:spPr>
+      </p:pic>
     </p:spTree>
     <p:extLst>
       <p:ext uri="{BB962C8B-B14F-4D97-AF65-F5344CB8AC3E}">
